--- a/Capstone Project-4 - real.pptx
+++ b/Capstone Project-4 - real.pptx
@@ -467,7 +467,7 @@
           <a:p>
             <a:fld id="{59F2F960-3D47-4824-B84F-0FAA852B7DD3}" type="datetimeFigureOut">
               <a:rPr lang="en-IN" smtClean="0"/>
-              <a:t>23-03-2023</a:t>
+              <a:t>24-03-2023</a:t>
             </a:fld>
             <a:endParaRPr lang="en-IN" dirty="0"/>
           </a:p>
@@ -790,7 +790,7 @@
           <a:p>
             <a:fld id="{59F2F960-3D47-4824-B84F-0FAA852B7DD3}" type="datetimeFigureOut">
               <a:rPr lang="en-IN" smtClean="0"/>
-              <a:t>23-03-2023</a:t>
+              <a:t>24-03-2023</a:t>
             </a:fld>
             <a:endParaRPr lang="en-IN" dirty="0"/>
           </a:p>
@@ -1038,7 +1038,7 @@
           <a:p>
             <a:fld id="{59F2F960-3D47-4824-B84F-0FAA852B7DD3}" type="datetimeFigureOut">
               <a:rPr lang="en-IN" smtClean="0"/>
-              <a:t>23-03-2023</a:t>
+              <a:t>24-03-2023</a:t>
             </a:fld>
             <a:endParaRPr lang="en-IN" dirty="0"/>
           </a:p>
@@ -1377,7 +1377,7 @@
           <a:p>
             <a:fld id="{59F2F960-3D47-4824-B84F-0FAA852B7DD3}" type="datetimeFigureOut">
               <a:rPr lang="en-IN" smtClean="0"/>
-              <a:t>23-03-2023</a:t>
+              <a:t>24-03-2023</a:t>
             </a:fld>
             <a:endParaRPr lang="en-IN" dirty="0"/>
           </a:p>
@@ -1724,7 +1724,7 @@
           <a:p>
             <a:fld id="{59F2F960-3D47-4824-B84F-0FAA852B7DD3}" type="datetimeFigureOut">
               <a:rPr lang="en-IN" smtClean="0"/>
-              <a:t>23-03-2023</a:t>
+              <a:t>24-03-2023</a:t>
             </a:fld>
             <a:endParaRPr lang="en-IN" dirty="0"/>
           </a:p>
@@ -2098,7 +2098,7 @@
           <a:p>
             <a:fld id="{59F2F960-3D47-4824-B84F-0FAA852B7DD3}" type="datetimeFigureOut">
               <a:rPr lang="en-IN" smtClean="0"/>
-              <a:t>23-03-2023</a:t>
+              <a:t>24-03-2023</a:t>
             </a:fld>
             <a:endParaRPr lang="en-IN" dirty="0"/>
           </a:p>
@@ -2568,7 +2568,7 @@
           <a:p>
             <a:fld id="{59F2F960-3D47-4824-B84F-0FAA852B7DD3}" type="datetimeFigureOut">
               <a:rPr lang="en-IN" smtClean="0"/>
-              <a:t>23-03-2023</a:t>
+              <a:t>24-03-2023</a:t>
             </a:fld>
             <a:endParaRPr lang="en-IN" dirty="0"/>
           </a:p>
@@ -2773,7 +2773,7 @@
           <a:p>
             <a:fld id="{59F2F960-3D47-4824-B84F-0FAA852B7DD3}" type="datetimeFigureOut">
               <a:rPr lang="en-IN" smtClean="0"/>
-              <a:t>23-03-2023</a:t>
+              <a:t>24-03-2023</a:t>
             </a:fld>
             <a:endParaRPr lang="en-IN" dirty="0"/>
           </a:p>
@@ -2984,7 +2984,7 @@
           <a:p>
             <a:fld id="{59F2F960-3D47-4824-B84F-0FAA852B7DD3}" type="datetimeFigureOut">
               <a:rPr lang="en-IN" smtClean="0"/>
-              <a:t>23-03-2023</a:t>
+              <a:t>24-03-2023</a:t>
             </a:fld>
             <a:endParaRPr lang="en-IN" dirty="0"/>
           </a:p>
@@ -3216,7 +3216,7 @@
           <a:p>
             <a:fld id="{59F2F960-3D47-4824-B84F-0FAA852B7DD3}" type="datetimeFigureOut">
               <a:rPr lang="en-IN" smtClean="0"/>
-              <a:t>23-03-2023</a:t>
+              <a:t>24-03-2023</a:t>
             </a:fld>
             <a:endParaRPr lang="en-IN" dirty="0"/>
           </a:p>
@@ -3464,7 +3464,7 @@
           <a:p>
             <a:fld id="{59F2F960-3D47-4824-B84F-0FAA852B7DD3}" type="datetimeFigureOut">
               <a:rPr lang="en-IN" smtClean="0"/>
-              <a:t>23-03-2023</a:t>
+              <a:t>24-03-2023</a:t>
             </a:fld>
             <a:endParaRPr lang="en-IN" dirty="0"/>
           </a:p>
@@ -3762,7 +3762,7 @@
           <a:p>
             <a:fld id="{59F2F960-3D47-4824-B84F-0FAA852B7DD3}" type="datetimeFigureOut">
               <a:rPr lang="en-IN" smtClean="0"/>
-              <a:t>23-03-2023</a:t>
+              <a:t>24-03-2023</a:t>
             </a:fld>
             <a:endParaRPr lang="en-IN" dirty="0"/>
           </a:p>
@@ -4156,7 +4156,7 @@
           <a:p>
             <a:fld id="{59F2F960-3D47-4824-B84F-0FAA852B7DD3}" type="datetimeFigureOut">
               <a:rPr lang="en-IN" smtClean="0"/>
-              <a:t>23-03-2023</a:t>
+              <a:t>24-03-2023</a:t>
             </a:fld>
             <a:endParaRPr lang="en-IN" dirty="0"/>
           </a:p>
@@ -4305,7 +4305,7 @@
           <a:p>
             <a:fld id="{59F2F960-3D47-4824-B84F-0FAA852B7DD3}" type="datetimeFigureOut">
               <a:rPr lang="en-IN" smtClean="0"/>
-              <a:t>23-03-2023</a:t>
+              <a:t>24-03-2023</a:t>
             </a:fld>
             <a:endParaRPr lang="en-IN" dirty="0"/>
           </a:p>
@@ -4431,7 +4431,7 @@
           <a:p>
             <a:fld id="{59F2F960-3D47-4824-B84F-0FAA852B7DD3}" type="datetimeFigureOut">
               <a:rPr lang="en-IN" smtClean="0"/>
-              <a:t>23-03-2023</a:t>
+              <a:t>24-03-2023</a:t>
             </a:fld>
             <a:endParaRPr lang="en-IN" dirty="0"/>
           </a:p>
@@ -4686,7 +4686,7 @@
           <a:p>
             <a:fld id="{59F2F960-3D47-4824-B84F-0FAA852B7DD3}" type="datetimeFigureOut">
               <a:rPr lang="en-IN" smtClean="0"/>
-              <a:t>23-03-2023</a:t>
+              <a:t>24-03-2023</a:t>
             </a:fld>
             <a:endParaRPr lang="en-IN" dirty="0"/>
           </a:p>
@@ -5000,7 +5000,7 @@
           <a:p>
             <a:fld id="{59F2F960-3D47-4824-B84F-0FAA852B7DD3}" type="datetimeFigureOut">
               <a:rPr lang="en-IN" smtClean="0"/>
-              <a:t>23-03-2023</a:t>
+              <a:t>24-03-2023</a:t>
             </a:fld>
             <a:endParaRPr lang="en-IN" dirty="0"/>
           </a:p>
@@ -5351,7 +5351,7 @@
           <a:p>
             <a:fld id="{59F2F960-3D47-4824-B84F-0FAA852B7DD3}" type="datetimeFigureOut">
               <a:rPr lang="en-IN" smtClean="0"/>
-              <a:t>23-03-2023</a:t>
+              <a:t>24-03-2023</a:t>
             </a:fld>
             <a:endParaRPr lang="en-IN" dirty="0"/>
           </a:p>
@@ -9219,7 +9219,7 @@
           <p:nvPr>
             <p:extLst>
               <p:ext uri="{D42A27DB-BD31-4B8C-83A1-F6EECF244321}">
-                <p14:modId xmlns:p14="http://schemas.microsoft.com/office/powerpoint/2010/main" val="3611571545"/>
+                <p14:modId xmlns:p14="http://schemas.microsoft.com/office/powerpoint/2010/main" val="1716418947"/>
               </p:ext>
             </p:extLst>
           </p:nvPr>
@@ -9811,7 +9811,7 @@
                         <a:rPr lang="en-IN" sz="1600" b="1" dirty="0">
                           <a:effectLst/>
                         </a:rPr>
-                        <a:t>0</a:t>
+                        <a:t>1</a:t>
                       </a:r>
                     </a:p>
                   </a:txBody>
@@ -9923,7 +9923,7 @@
                         <a:rPr lang="en-IN" sz="1600" dirty="0">
                           <a:effectLst/>
                         </a:rPr>
-                        <a:t>4033.085330</a:t>
+                        <a:t>4047.085330</a:t>
                       </a:r>
                     </a:p>
                   </a:txBody>
@@ -9971,7 +9971,7 @@
                         <a:rPr lang="en-IN" sz="1600" dirty="0">
                           <a:effectLst/>
                         </a:rPr>
-                        <a:t>1929</a:t>
+                        <a:t>1920</a:t>
                       </a:r>
                     </a:p>
                   </a:txBody>
@@ -9994,7 +9994,7 @@
                         <a:rPr lang="en-IN" sz="1600" b="1" dirty="0">
                           <a:effectLst/>
                         </a:rPr>
-                        <a:t>1</a:t>
+                        <a:t>0</a:t>
                       </a:r>
                     </a:p>
                   </a:txBody>
@@ -10106,7 +10106,7 @@
                         <a:rPr lang="en-IN" sz="1600" dirty="0">
                           <a:effectLst/>
                         </a:rPr>
-                        <a:t>469.732795</a:t>
+                        <a:t>471.27</a:t>
                       </a:r>
                     </a:p>
                   </a:txBody>
@@ -10154,7 +10154,7 @@
                         <a:rPr lang="en-IN" sz="1600" dirty="0">
                           <a:effectLst/>
                         </a:rPr>
-                        <a:t>2409</a:t>
+                        <a:t>2418</a:t>
                       </a:r>
                     </a:p>
                   </a:txBody>
@@ -10222,7 +10222,7 @@
         <p:spPr>
           <a:xfrm>
             <a:off x="1030941" y="4922919"/>
-            <a:ext cx="10461811" cy="1200329"/>
+            <a:ext cx="10461811" cy="923330"/>
           </a:xfrm>
           <a:prstGeom prst="rect">
             <a:avLst/>
@@ -10266,7 +10266,53 @@
                 <a:ea typeface="Calibri Light" panose="020F0302020204030204" pitchFamily="34" charset="0"/>
                 <a:cs typeface="Calibri Light" panose="020F0302020204030204" pitchFamily="34" charset="0"/>
               </a:rPr>
-              <a:t> Cluster 0 has low recency rate but high frequency and monetary. Cluster 0 contains 1929 customers.*</a:t>
+              <a:t> Cluster 0 has </a:t>
+            </a:r>
+            <a:r>
+              <a:rPr lang="en-US" altLang="en-US" b="1" i="1" dirty="0">
+                <a:latin typeface="Calibri Light" panose="020F0302020204030204" pitchFamily="34" charset="0"/>
+                <a:ea typeface="Calibri Light" panose="020F0302020204030204" pitchFamily="34" charset="0"/>
+                <a:cs typeface="Calibri Light" panose="020F0302020204030204" pitchFamily="34" charset="0"/>
+              </a:rPr>
+              <a:t>high </a:t>
+            </a:r>
+            <a:r>
+              <a:rPr kumimoji="0" lang="en-US" altLang="en-US" sz="1800" b="1" i="1" u="none" strike="noStrike" cap="none" normalizeH="0" baseline="0" dirty="0">
+                <a:ln>
+                  <a:noFill/>
+                </a:ln>
+                <a:solidFill>
+                  <a:schemeClr val="tx1"/>
+                </a:solidFill>
+                <a:effectLst/>
+                <a:latin typeface="Calibri Light" panose="020F0302020204030204" pitchFamily="34" charset="0"/>
+                <a:ea typeface="Calibri Light" panose="020F0302020204030204" pitchFamily="34" charset="0"/>
+                <a:cs typeface="Calibri Light" panose="020F0302020204030204" pitchFamily="34" charset="0"/>
+              </a:rPr>
+              <a:t>recency rate but </a:t>
+            </a:r>
+            <a:r>
+              <a:rPr lang="en-US" altLang="en-US" b="1" i="1" dirty="0">
+                <a:latin typeface="Calibri Light" panose="020F0302020204030204" pitchFamily="34" charset="0"/>
+                <a:ea typeface="Calibri Light" panose="020F0302020204030204" pitchFamily="34" charset="0"/>
+                <a:cs typeface="Calibri Light" panose="020F0302020204030204" pitchFamily="34" charset="0"/>
+              </a:rPr>
+              <a:t>low </a:t>
+            </a:r>
+            <a:r>
+              <a:rPr kumimoji="0" lang="en-US" altLang="en-US" sz="1800" b="1" i="1" u="none" strike="noStrike" cap="none" normalizeH="0" baseline="0" dirty="0">
+                <a:ln>
+                  <a:noFill/>
+                </a:ln>
+                <a:solidFill>
+                  <a:schemeClr val="tx1"/>
+                </a:solidFill>
+                <a:effectLst/>
+                <a:latin typeface="Calibri Light" panose="020F0302020204030204" pitchFamily="34" charset="0"/>
+                <a:ea typeface="Calibri Light" panose="020F0302020204030204" pitchFamily="34" charset="0"/>
+                <a:cs typeface="Calibri Light" panose="020F0302020204030204" pitchFamily="34" charset="0"/>
+              </a:rPr>
+              <a:t>frequency and monetary. *</a:t>
             </a:r>
           </a:p>
           <a:p>
@@ -10301,8 +10347,97 @@
                 <a:ea typeface="Calibri Light" panose="020F0302020204030204" pitchFamily="34" charset="0"/>
                 <a:cs typeface="Calibri Light" panose="020F0302020204030204" pitchFamily="34" charset="0"/>
               </a:rPr>
-              <a:t>Cluster 1 has high recency rate but very low frequency and monetary . they are not frequent buyers and spends very less money than other customers as mean monetary value is very low. Thus generates less  revenue to the retail business*</a:t>
-            </a:r>
+              <a:t>Cluster 1 has </a:t>
+            </a:r>
+            <a:r>
+              <a:rPr lang="en-US" altLang="en-US" b="1" i="1" dirty="0">
+                <a:latin typeface="Calibri Light" panose="020F0302020204030204" pitchFamily="34" charset="0"/>
+                <a:ea typeface="Calibri Light" panose="020F0302020204030204" pitchFamily="34" charset="0"/>
+                <a:cs typeface="Calibri Light" panose="020F0302020204030204" pitchFamily="34" charset="0"/>
+              </a:rPr>
+              <a:t>low </a:t>
+            </a:r>
+            <a:r>
+              <a:rPr kumimoji="0" lang="en-US" altLang="en-US" sz="1800" b="1" i="1" u="none" strike="noStrike" cap="none" normalizeH="0" baseline="0" dirty="0">
+                <a:ln>
+                  <a:noFill/>
+                </a:ln>
+                <a:solidFill>
+                  <a:schemeClr val="tx1"/>
+                </a:solidFill>
+                <a:effectLst/>
+                <a:latin typeface="Calibri Light" panose="020F0302020204030204" pitchFamily="34" charset="0"/>
+                <a:ea typeface="Calibri Light" panose="020F0302020204030204" pitchFamily="34" charset="0"/>
+                <a:cs typeface="Calibri Light" panose="020F0302020204030204" pitchFamily="34" charset="0"/>
+              </a:rPr>
+              <a:t>recency rate but very </a:t>
+            </a:r>
+            <a:r>
+              <a:rPr lang="en-US" altLang="en-US" b="1" i="1" dirty="0">
+                <a:latin typeface="Calibri Light" panose="020F0302020204030204" pitchFamily="34" charset="0"/>
+                <a:ea typeface="Calibri Light" panose="020F0302020204030204" pitchFamily="34" charset="0"/>
+                <a:cs typeface="Calibri Light" panose="020F0302020204030204" pitchFamily="34" charset="0"/>
+              </a:rPr>
+              <a:t>high </a:t>
+            </a:r>
+            <a:r>
+              <a:rPr kumimoji="0" lang="en-US" altLang="en-US" sz="1800" b="1" i="1" u="none" strike="noStrike" cap="none" normalizeH="0" baseline="0" dirty="0">
+                <a:ln>
+                  <a:noFill/>
+                </a:ln>
+                <a:solidFill>
+                  <a:schemeClr val="tx1"/>
+                </a:solidFill>
+                <a:effectLst/>
+                <a:latin typeface="Calibri Light" panose="020F0302020204030204" pitchFamily="34" charset="0"/>
+                <a:ea typeface="Calibri Light" panose="020F0302020204030204" pitchFamily="34" charset="0"/>
+                <a:cs typeface="Calibri Light" panose="020F0302020204030204" pitchFamily="34" charset="0"/>
+              </a:rPr>
+              <a:t>frequency and monetary . they are frequent buyers and spends </a:t>
+            </a:r>
+            <a:r>
+              <a:rPr lang="en-US" altLang="en-US" b="1" i="1" dirty="0">
+                <a:latin typeface="Calibri Light" panose="020F0302020204030204" pitchFamily="34" charset="0"/>
+                <a:ea typeface="Calibri Light" panose="020F0302020204030204" pitchFamily="34" charset="0"/>
+                <a:cs typeface="Calibri Light" panose="020F0302020204030204" pitchFamily="34" charset="0"/>
+              </a:rPr>
+              <a:t>more </a:t>
+            </a:r>
+            <a:r>
+              <a:rPr kumimoji="0" lang="en-US" altLang="en-US" sz="1800" b="1" i="1" u="none" strike="noStrike" cap="none" normalizeH="0" baseline="0" dirty="0">
+                <a:ln>
+                  <a:noFill/>
+                </a:ln>
+                <a:solidFill>
+                  <a:schemeClr val="tx1"/>
+                </a:solidFill>
+                <a:effectLst/>
+                <a:latin typeface="Calibri Light" panose="020F0302020204030204" pitchFamily="34" charset="0"/>
+                <a:ea typeface="Calibri Light" panose="020F0302020204030204" pitchFamily="34" charset="0"/>
+                <a:cs typeface="Calibri Light" panose="020F0302020204030204" pitchFamily="34" charset="0"/>
+              </a:rPr>
+              <a:t>money than other customers as mean monetary value is very </a:t>
+            </a:r>
+            <a:r>
+              <a:rPr lang="en-US" altLang="en-US" b="1" i="1" dirty="0">
+                <a:latin typeface="Calibri Light" panose="020F0302020204030204" pitchFamily="34" charset="0"/>
+                <a:ea typeface="Calibri Light" panose="020F0302020204030204" pitchFamily="34" charset="0"/>
+                <a:cs typeface="Calibri Light" panose="020F0302020204030204" pitchFamily="34" charset="0"/>
+              </a:rPr>
+              <a:t>high.</a:t>
+            </a:r>
+            <a:endParaRPr kumimoji="0" lang="en-US" altLang="en-US" sz="1800" b="1" i="1" u="none" strike="noStrike" cap="none" normalizeH="0" baseline="0" dirty="0">
+              <a:ln>
+                <a:noFill/>
+              </a:ln>
+              <a:solidFill>
+                <a:schemeClr val="tx1"/>
+              </a:solidFill>
+              <a:effectLst/>
+              <a:latin typeface="Calibri Light" panose="020F0302020204030204" pitchFamily="34" charset="0"/>
+              <a:ea typeface="Calibri Light" panose="020F0302020204030204" pitchFamily="34" charset="0"/>
+              <a:cs typeface="Calibri Light" panose="020F0302020204030204" pitchFamily="34" charset="0"/>
+            </a:endParaRPr>
           </a:p>
         </p:txBody>
       </p:sp>
@@ -11184,7 +11319,7 @@
         <p:spPr>
           <a:xfrm>
             <a:off x="1147482" y="4694401"/>
-            <a:ext cx="10228730" cy="738664"/>
+            <a:ext cx="10228730" cy="1418337"/>
           </a:xfrm>
           <a:prstGeom prst="rect">
             <a:avLst/>
@@ -11197,23 +11332,13 @@
           </a:bodyPr>
           <a:lstStyle/>
           <a:p>
-            <a:pPr marL="285750" marR="0" lvl="0" indent="-285750" algn="l" defTabSz="914400" rtl="0" eaLnBrk="0" fontAlgn="base" latinLnBrk="0" hangingPunct="0">
-              <a:lnSpc>
-                <a:spcPct val="100000"/>
-              </a:lnSpc>
+            <a:pPr rtl="0">
               <a:spcBef>
-                <a:spcPct val="0"/>
+                <a:spcPts val="600"/>
               </a:spcBef>
               <a:spcAft>
-                <a:spcPct val="0"/>
+                <a:spcPts val="0"/>
               </a:spcAft>
-              <a:buClrTx/>
-              <a:buSzTx/>
-              <a:buFont typeface="Arial" panose="020B0604020202020204" pitchFamily="34" charset="0"/>
-              <a:buChar char="•"/>
-              <a:tabLst>
-                <a:tab pos="377825" algn="l"/>
-              </a:tabLst>
             </a:pPr>
             <a:r>
               <a:rPr kumimoji="0" lang="en-US" altLang="en-US" sz="1400" b="1" i="1" u="none" strike="noStrike" cap="none" normalizeH="0" baseline="0" dirty="0">
@@ -11228,43 +11353,61 @@
                 <a:ea typeface="Calibri Light" panose="020F0302020204030204" pitchFamily="34" charset="0"/>
                 <a:cs typeface="Calibri Light" panose="020F0302020204030204" pitchFamily="34" charset="0"/>
               </a:rPr>
-              <a:t> Cluster 0 has low recency rate but high frequency and monetary. Cluster 0 contains 1929 customers.*</a:t>
-            </a:r>
-          </a:p>
-          <a:p>
-            <a:pPr marL="285750" marR="0" lvl="0" indent="-285750" algn="l" defTabSz="914400" rtl="0" eaLnBrk="0" fontAlgn="base" latinLnBrk="0" hangingPunct="0">
-              <a:lnSpc>
-                <a:spcPct val="100000"/>
-              </a:lnSpc>
+              <a:t> </a:t>
+            </a:r>
+            <a:r>
+              <a:rPr lang="en-US" sz="1800" b="1" i="0" u="none" strike="noStrike" dirty="0">
+                <a:solidFill>
+                  <a:srgbClr val="212121"/>
+                </a:solidFill>
+                <a:effectLst/>
+                <a:latin typeface="Roboto" panose="02000000000000000000" pitchFamily="2" charset="0"/>
+              </a:rPr>
+              <a:t>Cluster 0 has a high recency rate but low frequency and monetary. *</a:t>
+            </a:r>
+            <a:endParaRPr lang="en-US" sz="1400" b="0" dirty="0">
+              <a:effectLst/>
+            </a:endParaRPr>
+          </a:p>
+          <a:p>
+            <a:pPr rtl="0">
               <a:spcBef>
-                <a:spcPct val="0"/>
+                <a:spcPts val="0"/>
               </a:spcBef>
               <a:spcAft>
-                <a:spcPct val="0"/>
+                <a:spcPts val="500"/>
               </a:spcAft>
-              <a:buClrTx/>
-              <a:buSzTx/>
-              <a:buFont typeface="Arial" panose="020B0604020202020204" pitchFamily="34" charset="0"/>
-              <a:buChar char="•"/>
-              <a:tabLst>
-                <a:tab pos="377825" algn="l"/>
-              </a:tabLst>
             </a:pPr>
             <a:r>
-              <a:rPr kumimoji="0" lang="en-US" altLang="en-US" sz="1400" b="1" i="1" u="none" strike="noStrike" cap="none" normalizeH="0" baseline="0" dirty="0">
-                <a:ln>
-                  <a:noFill/>
-                </a:ln>
-                <a:solidFill>
-                  <a:schemeClr val="tx1"/>
-                </a:solidFill>
-                <a:effectLst/>
-                <a:latin typeface="Calibri Light" panose="020F0302020204030204" pitchFamily="34" charset="0"/>
-                <a:ea typeface="Calibri Light" panose="020F0302020204030204" pitchFamily="34" charset="0"/>
-                <a:cs typeface="Calibri Light" panose="020F0302020204030204" pitchFamily="34" charset="0"/>
-              </a:rPr>
-              <a:t>Cluster 1 has high recency rate but very low frequency and monetary . they are not frequent buyers and spends very less money than other customers as mean monetary value is very low. Thus generates less  revenue to the retail business*</a:t>
-            </a:r>
+              <a:rPr lang="en-US" sz="1800" b="1" i="0" u="none" strike="noStrike" dirty="0">
+                <a:solidFill>
+                  <a:srgbClr val="212121"/>
+                </a:solidFill>
+                <a:effectLst/>
+                <a:latin typeface="Roboto" panose="02000000000000000000" pitchFamily="2" charset="0"/>
+              </a:rPr>
+              <a:t>*Cluster 1 has a low recency rate but high frequency and monetary . They are frequent buyers and spend more money than other customers as mean monetary value is high.</a:t>
+            </a:r>
+            <a:endParaRPr lang="en-US" sz="1400" b="0" dirty="0">
+              <a:effectLst/>
+            </a:endParaRPr>
+          </a:p>
+          <a:p>
+            <a:br>
+              <a:rPr lang="en-US" sz="1400" dirty="0"/>
+            </a:br>
+            <a:endParaRPr kumimoji="0" lang="en-US" altLang="en-US" sz="1400" b="1" i="1" u="none" strike="noStrike" cap="none" normalizeH="0" baseline="0" dirty="0">
+              <a:ln>
+                <a:noFill/>
+              </a:ln>
+              <a:solidFill>
+                <a:schemeClr val="tx1"/>
+              </a:solidFill>
+              <a:effectLst/>
+              <a:latin typeface="Calibri Light" panose="020F0302020204030204" pitchFamily="34" charset="0"/>
+              <a:ea typeface="Calibri Light" panose="020F0302020204030204" pitchFamily="34" charset="0"/>
+              <a:cs typeface="Calibri Light" panose="020F0302020204030204" pitchFamily="34" charset="0"/>
+            </a:endParaRPr>
           </a:p>
         </p:txBody>
       </p:sp>
